--- a/OS/sp18/lectures/OSsp18_lec6_threads2_synch.pptx
+++ b/OS/sp18/lectures/OSsp18_lec6_threads2_synch.pptx
@@ -5,10 +5,10 @@
     <p:sldMasterId id="2147483792" r:id="rId1"/>
   </p:sldMasterIdLst>
   <p:notesMasterIdLst>
-    <p:notesMasterId r:id="rId38"/>
+    <p:notesMasterId r:id="rId30"/>
   </p:notesMasterIdLst>
   <p:handoutMasterIdLst>
-    <p:handoutMasterId r:id="rId39"/>
+    <p:handoutMasterId r:id="rId31"/>
   </p:handoutMasterIdLst>
   <p:sldIdLst>
     <p:sldId id="256" r:id="rId2"/>
@@ -37,16 +37,8 @@
     <p:sldId id="477" r:id="rId25"/>
     <p:sldId id="478" r:id="rId26"/>
     <p:sldId id="479" r:id="rId27"/>
-    <p:sldId id="480" r:id="rId28"/>
-    <p:sldId id="482" r:id="rId29"/>
-    <p:sldId id="481" r:id="rId30"/>
-    <p:sldId id="483" r:id="rId31"/>
-    <p:sldId id="484" r:id="rId32"/>
-    <p:sldId id="485" r:id="rId33"/>
-    <p:sldId id="486" r:id="rId34"/>
-    <p:sldId id="487" r:id="rId35"/>
-    <p:sldId id="385" r:id="rId36"/>
-    <p:sldId id="488" r:id="rId37"/>
+    <p:sldId id="385" r:id="rId28"/>
+    <p:sldId id="488" r:id="rId29"/>
   </p:sldIdLst>
   <p:sldSz cx="9144000" cy="6858000" type="screen4x3"/>
   <p:notesSz cx="9144000" cy="6858000"/>
@@ -1351,7 +1343,7 @@
           <a:p>
             <a:fld id="{AC926C45-20DC-FA46-8D78-A38C217A8EAC}" type="datetime1">
               <a:rPr lang="en-US" smtClean="0"/>
-              <a:t>2/11/18</a:t>
+              <a:t>2/14/18</a:t>
             </a:fld>
             <a:endParaRPr lang="en-US"/>
           </a:p>
@@ -1548,7 +1540,7 @@
           <a:p>
             <a:fld id="{D75EA7DF-14D0-DB4D-9F84-9593C9A7AEC9}" type="datetime1">
               <a:rPr lang="en-US" smtClean="0"/>
-              <a:t>2/11/18</a:t>
+              <a:t>2/14/18</a:t>
             </a:fld>
             <a:endParaRPr lang="en-US"/>
           </a:p>
@@ -1754,7 +1746,7 @@
           <a:p>
             <a:fld id="{DF79677C-18D6-614B-9A21-31748B7639B1}" type="datetime1">
               <a:rPr lang="en-US" smtClean="0"/>
-              <a:t>2/11/18</a:t>
+              <a:t>2/14/18</a:t>
             </a:fld>
             <a:endParaRPr lang="en-US"/>
           </a:p>
@@ -2017,7 +2009,7 @@
           <a:p>
             <a:fld id="{766B6591-5FC7-A144-AD21-6B99FE111655}" type="datetime1">
               <a:rPr lang="en-US" smtClean="0"/>
-              <a:t>2/11/18</a:t>
+              <a:t>2/14/18</a:t>
             </a:fld>
             <a:endParaRPr lang="en-US"/>
           </a:p>
@@ -2280,7 +2272,7 @@
           <a:p>
             <a:fld id="{6836502E-B1A6-1A48-8D64-5FC7B4156795}" type="datetime1">
               <a:rPr lang="en-US" smtClean="0"/>
-              <a:t>2/11/18</a:t>
+              <a:t>2/14/18</a:t>
             </a:fld>
             <a:endParaRPr lang="en-US"/>
           </a:p>
@@ -2476,7 +2468,7 @@
           <a:p>
             <a:fld id="{484FC7DC-99C5-B841-BC67-A822311DD890}" type="datetime1">
               <a:rPr lang="en-US" smtClean="0"/>
-              <a:t>2/11/18</a:t>
+              <a:t>2/14/18</a:t>
             </a:fld>
             <a:endParaRPr lang="en-US"/>
           </a:p>
@@ -2694,7 +2686,7 @@
           <a:p>
             <a:fld id="{CCE44F59-F396-C143-8B0C-03634C827A49}" type="datetime1">
               <a:rPr lang="en-US" smtClean="0"/>
-              <a:t>2/11/18</a:t>
+              <a:t>2/14/18</a:t>
             </a:fld>
             <a:endParaRPr lang="en-US"/>
           </a:p>
@@ -3008,7 +3000,7 @@
           <a:p>
             <a:fld id="{3E11BFA1-D230-9142-809A-D7213B19D531}" type="datetime1">
               <a:rPr lang="en-US" smtClean="0"/>
-              <a:t>2/11/18</a:t>
+              <a:t>2/14/18</a:t>
             </a:fld>
             <a:endParaRPr lang="en-US"/>
           </a:p>
@@ -3461,7 +3453,7 @@
           <a:p>
             <a:fld id="{03377710-A120-B744-A1C5-855BB81B3BCC}" type="datetime1">
               <a:rPr lang="en-US" smtClean="0"/>
-              <a:t>2/11/18</a:t>
+              <a:t>2/14/18</a:t>
             </a:fld>
             <a:endParaRPr lang="en-US"/>
           </a:p>
@@ -3605,7 +3597,7 @@
           <a:p>
             <a:fld id="{25EA67E7-4ABC-4344-8631-4B0311945609}" type="datetime1">
               <a:rPr lang="en-US" smtClean="0"/>
-              <a:t>2/11/18</a:t>
+              <a:t>2/14/18</a:t>
             </a:fld>
             <a:endParaRPr lang="en-US"/>
           </a:p>
@@ -3726,7 +3718,7 @@
           <a:p>
             <a:fld id="{4219A668-13DF-DF4A-816D-BCDA804915C0}" type="datetime1">
               <a:rPr lang="en-US" smtClean="0"/>
-              <a:t>2/11/18</a:t>
+              <a:t>2/14/18</a:t>
             </a:fld>
             <a:endParaRPr lang="en-US"/>
           </a:p>
@@ -4029,7 +4021,7 @@
           <a:p>
             <a:fld id="{3CFE97D8-1444-D146-A870-C751AFE2D036}" type="datetime1">
               <a:rPr lang="en-US" smtClean="0"/>
-              <a:t>2/11/18</a:t>
+              <a:t>2/14/18</a:t>
             </a:fld>
             <a:endParaRPr lang="en-US"/>
           </a:p>
@@ -4309,7 +4301,7 @@
           <a:p>
             <a:fld id="{8EEFD081-2C5C-7841-835E-738FF4FCE669}" type="datetime1">
               <a:rPr lang="en-US" smtClean="0"/>
-              <a:t>2/11/18</a:t>
+              <a:t>2/14/18</a:t>
             </a:fld>
             <a:endParaRPr lang="en-US"/>
           </a:p>
@@ -4608,7 +4600,7 @@
           <a:p>
             <a:fld id="{FB13A6B2-413A-F049-8B35-5D8B9EEFFEB4}" type="datetime1">
               <a:rPr lang="en-US" smtClean="0"/>
-              <a:t>2/11/18</a:t>
+              <a:t>2/14/18</a:t>
             </a:fld>
             <a:endParaRPr lang="en-US"/>
           </a:p>
@@ -5433,13 +5425,7 @@
               <a:rPr lang="en-US" dirty="0" smtClean="0">
                 <a:latin typeface="Arial" charset="0"/>
               </a:rPr>
-              <a:t>Spring </a:t>
-            </a:r>
-            <a:r>
-              <a:rPr lang="en-US" dirty="0" smtClean="0">
-                <a:latin typeface="Arial" charset="0"/>
-              </a:rPr>
-              <a:t>2018</a:t>
+              <a:t>Spring 2018</a:t>
             </a:r>
             <a:endParaRPr lang="en-US" dirty="0">
               <a:latin typeface="Arial" charset="0"/>
@@ -5481,16 +5467,7 @@
                 </a:solidFill>
                 <a:latin typeface="Arial" charset="0"/>
               </a:rPr>
-              <a:t>6</a:t>
-            </a:r>
-            <a:r>
-              <a:rPr lang="en-US" b="1" dirty="0" smtClean="0">
-                <a:solidFill>
-                  <a:srgbClr val="0000FF"/>
-                </a:solidFill>
-                <a:latin typeface="Arial" charset="0"/>
-              </a:rPr>
-              <a:t>:</a:t>
+              <a:t>6:</a:t>
             </a:r>
             <a:endParaRPr lang="en-US" b="1" dirty="0">
               <a:solidFill>
@@ -5626,15 +5603,7 @@
           <a:p>
             <a:r>
               <a:rPr lang="en-US" dirty="0" smtClean="0"/>
-              <a:t>If A and B are critical sections with respect </a:t>
-            </a:r>
-            <a:r>
-              <a:rPr lang="en-US" dirty="0" smtClean="0"/>
-              <a:t>to each </a:t>
-            </a:r>
-            <a:r>
-              <a:rPr lang="en-US" dirty="0" smtClean="0"/>
-              <a:t>other, multiple threads can’t interleave events from A and B</a:t>
+              <a:t>If A and B are critical sections with respect to each other, multiple threads can’t interleave events from A and B</a:t>
             </a:r>
           </a:p>
           <a:p>
@@ -5702,7 +5671,7 @@
           <a:p>
             <a:fld id="{484FC7DC-99C5-B841-BC67-A822311DD890}" type="datetime1">
               <a:rPr lang="en-US" smtClean="0"/>
-              <a:t>2/11/18</a:t>
+              <a:t>2/14/18</a:t>
             </a:fld>
             <a:endParaRPr lang="en-US"/>
           </a:p>
@@ -6052,7 +6021,7 @@
           <a:p>
             <a:fld id="{484FC7DC-99C5-B841-BC67-A822311DD890}" type="datetime1">
               <a:rPr lang="en-US" smtClean="0"/>
-              <a:t>2/11/18</a:t>
+              <a:t>2/14/18</a:t>
             </a:fld>
             <a:endParaRPr lang="en-US"/>
           </a:p>
@@ -6783,7 +6752,7 @@
           <a:p>
             <a:fld id="{484FC7DC-99C5-B841-BC67-A822311DD890}" type="datetime1">
               <a:rPr lang="en-US" smtClean="0"/>
-              <a:t>2/11/18</a:t>
+              <a:t>2/14/18</a:t>
             </a:fld>
             <a:endParaRPr lang="en-US"/>
           </a:p>
@@ -7542,7 +7511,7 @@
           <a:p>
             <a:fld id="{484FC7DC-99C5-B841-BC67-A822311DD890}" type="datetime1">
               <a:rPr lang="en-US" smtClean="0"/>
-              <a:t>2/11/18</a:t>
+              <a:t>2/14/18</a:t>
             </a:fld>
             <a:endParaRPr lang="en-US"/>
           </a:p>
@@ -8233,7 +8202,7 @@
           <a:p>
             <a:fld id="{766B6591-5FC7-A144-AD21-6B99FE111655}" type="datetime1">
               <a:rPr lang="en-US" smtClean="0"/>
-              <a:t>2/11/18</a:t>
+              <a:t>2/14/18</a:t>
             </a:fld>
             <a:endParaRPr lang="en-US"/>
           </a:p>
@@ -8441,7 +8410,7 @@
           <a:p>
             <a:fld id="{484FC7DC-99C5-B841-BC67-A822311DD890}" type="datetime1">
               <a:rPr lang="en-US" smtClean="0"/>
-              <a:t>2/11/18</a:t>
+              <a:t>2/14/18</a:t>
             </a:fld>
             <a:endParaRPr lang="en-US"/>
           </a:p>
@@ -8610,7 +8579,7 @@
           <a:p>
             <a:fld id="{484FC7DC-99C5-B841-BC67-A822311DD890}" type="datetime1">
               <a:rPr lang="en-US" smtClean="0"/>
-              <a:t>2/11/18</a:t>
+              <a:t>2/14/18</a:t>
             </a:fld>
             <a:endParaRPr lang="en-US"/>
           </a:p>
@@ -8992,7 +8961,7 @@
           <a:p>
             <a:fld id="{484FC7DC-99C5-B841-BC67-A822311DD890}" type="datetime1">
               <a:rPr lang="en-US" smtClean="0"/>
-              <a:t>2/11/18</a:t>
+              <a:t>2/14/18</a:t>
             </a:fld>
             <a:endParaRPr lang="en-US"/>
           </a:p>
@@ -9300,7 +9269,7 @@
           <a:p>
             <a:fld id="{484FC7DC-99C5-B841-BC67-A822311DD890}" type="datetime1">
               <a:rPr lang="en-US" smtClean="0"/>
-              <a:t>2/11/18</a:t>
+              <a:t>2/14/18</a:t>
             </a:fld>
             <a:endParaRPr lang="en-US"/>
           </a:p>
@@ -9815,7 +9784,7 @@
           <a:p>
             <a:fld id="{766B6591-5FC7-A144-AD21-6B99FE111655}" type="datetime1">
               <a:rPr lang="en-US" smtClean="0"/>
-              <a:t>2/11/18</a:t>
+              <a:t>2/14/18</a:t>
             </a:fld>
             <a:endParaRPr lang="en-US"/>
           </a:p>
@@ -9998,7 +9967,6 @@
               <a:rPr lang="en-US" dirty="0" smtClean="0"/>
               <a:t>Will be allowed one 8.5” x 11” double-sided note sheet</a:t>
             </a:r>
-            <a:endParaRPr lang="en-US" dirty="0" smtClean="0"/>
           </a:p>
           <a:p>
             <a:r>
@@ -10010,11 +9978,7 @@
             <a:pPr lvl="1"/>
             <a:r>
               <a:rPr lang="en-US" dirty="0" smtClean="0"/>
-              <a:t>Review: </a:t>
-            </a:r>
-            <a:r>
-              <a:rPr lang="en-US" dirty="0" smtClean="0"/>
-              <a:t>Threads</a:t>
+              <a:t>Review: Threads</a:t>
             </a:r>
           </a:p>
           <a:p>
@@ -10195,7 +10159,7 @@
                 <a:latin typeface="Garamond"/>
                 <a:cs typeface="Garamond"/>
               </a:rPr>
-              <a:t>2/11/18</a:t>
+              <a:t>2/14/18</a:t>
             </a:fld>
             <a:endParaRPr lang="en-US" dirty="0">
               <a:latin typeface="Garamond"/>
@@ -10421,7 +10385,11 @@
           <a:p>
             <a:r>
               <a:rPr lang="en-US" dirty="0" smtClean="0"/>
-              <a:t>Shared queue</a:t>
+              <a:t>Case study: thread-safe shared </a:t>
+            </a:r>
+            <a:r>
+              <a:rPr lang="en-US" dirty="0" smtClean="0"/>
+              <a:t>queue</a:t>
             </a:r>
             <a:endParaRPr lang="en-US" dirty="0"/>
           </a:p>
@@ -10444,7 +10412,7 @@
           <a:p>
             <a:fld id="{484FC7DC-99C5-B841-BC67-A822311DD890}" type="datetime1">
               <a:rPr lang="en-US" smtClean="0"/>
-              <a:t>2/11/18</a:t>
+              <a:t>2/14/18</a:t>
             </a:fld>
             <a:endParaRPr lang="en-US"/>
           </a:p>
@@ -10595,27 +10563,17 @@
         </p:spPr>
         <p:txBody>
           <a:bodyPr>
-            <a:normAutofit fontScale="62500" lnSpcReduction="20000"/>
+            <a:normAutofit fontScale="92500" lnSpcReduction="10000"/>
           </a:bodyPr>
           <a:lstStyle/>
           <a:p>
             <a:r>
               <a:rPr lang="en-US" dirty="0" smtClean="0"/>
-              <a:t>Minimize waiting by </a:t>
-            </a:r>
-            <a:r>
-              <a:rPr lang="en-US" dirty="0" err="1" smtClean="0"/>
-              <a:t>queueing</a:t>
-            </a:r>
-            <a:r>
-              <a:rPr lang="en-US" dirty="0" smtClean="0"/>
-              <a:t> waiting threads</a:t>
-            </a:r>
-          </a:p>
-          <a:p>
-            <a:r>
-              <a:rPr lang="en-US" dirty="0" smtClean="0"/>
-              <a:t>Potential problems with this approach?</a:t>
+              <a:t>Potential </a:t>
+            </a:r>
+            <a:r>
+              <a:rPr lang="en-US" dirty="0" smtClean="0"/>
+              <a:t>problems with this approach?</a:t>
             </a:r>
           </a:p>
           <a:p>
@@ -10645,7 +10603,7 @@
           <a:p>
             <a:fld id="{484FC7DC-99C5-B841-BC67-A822311DD890}" type="datetime1">
               <a:rPr lang="en-US" smtClean="0"/>
-              <a:t>2/11/18</a:t>
+              <a:t>2/14/18</a:t>
             </a:fld>
             <a:endParaRPr lang="en-US"/>
           </a:p>
@@ -10802,7 +10760,7 @@
           <a:p>
             <a:fld id="{484FC7DC-99C5-B841-BC67-A822311DD890}" type="datetime1">
               <a:rPr lang="en-US" smtClean="0"/>
-              <a:t>2/11/18</a:t>
+              <a:t>2/14/18</a:t>
             </a:fld>
             <a:endParaRPr lang="en-US"/>
           </a:p>
@@ -11040,7 +10998,7 @@
           <a:p>
             <a:fld id="{484FC7DC-99C5-B841-BC67-A822311DD890}" type="datetime1">
               <a:rPr lang="en-US" smtClean="0"/>
-              <a:t>2/11/18</a:t>
+              <a:t>2/14/18</a:t>
             </a:fld>
             <a:endParaRPr lang="en-US"/>
           </a:p>
@@ -11218,7 +11176,7 @@
           <a:p>
             <a:fld id="{484FC7DC-99C5-B841-BC67-A822311DD890}" type="datetime1">
               <a:rPr lang="en-US" smtClean="0"/>
-              <a:t>2/11/18</a:t>
+              <a:t>2/14/18</a:t>
             </a:fld>
             <a:endParaRPr lang="en-US"/>
           </a:p>
@@ -11452,7 +11410,7 @@
           <a:p>
             <a:fld id="{484FC7DC-99C5-B841-BC67-A822311DD890}" type="datetime1">
               <a:rPr lang="en-US" smtClean="0"/>
-              <a:t>2/11/18</a:t>
+              <a:t>2/14/18</a:t>
             </a:fld>
             <a:endParaRPr lang="en-US"/>
           </a:p>
@@ -11710,7 +11668,7 @@
           <a:p>
             <a:fld id="{484FC7DC-99C5-B841-BC67-A822311DD890}" type="datetime1">
               <a:rPr lang="en-US" smtClean="0"/>
-              <a:t>2/11/18</a:t>
+              <a:t>2/14/18</a:t>
             </a:fld>
             <a:endParaRPr lang="en-US"/>
           </a:p>
@@ -11804,1795 +11762,6 @@
 </file>
 
 <file path=ppt/slides/slide27.xml><?xml version="1.0" encoding="utf-8"?>
-<p:sld xmlns:a="http://schemas.openxmlformats.org/drawingml/2006/main" xmlns:r="http://schemas.openxmlformats.org/officeDocument/2006/relationships" xmlns:p="http://schemas.openxmlformats.org/presentationml/2006/main">
-  <p:cSld>
-    <p:spTree>
-      <p:nvGrpSpPr>
-        <p:cNvPr id="1" name=""/>
-        <p:cNvGrpSpPr/>
-        <p:nvPr/>
-      </p:nvGrpSpPr>
-      <p:grpSpPr>
-        <a:xfrm>
-          <a:off x="0" y="0"/>
-          <a:ext cx="0" cy="0"/>
-          <a:chOff x="0" y="0"/>
-          <a:chExt cx="0" cy="0"/>
-        </a:xfrm>
-      </p:grpSpPr>
-      <p:sp>
-        <p:nvSpPr>
-          <p:cNvPr id="2" name="Title 1"/>
-          <p:cNvSpPr>
-            <a:spLocks noGrp="1"/>
-          </p:cNvSpPr>
-          <p:nvPr>
-            <p:ph type="title"/>
-          </p:nvPr>
-        </p:nvSpPr>
-        <p:spPr/>
-        <p:txBody>
-          <a:bodyPr/>
-          <a:lstStyle/>
-          <a:p>
-            <a:r>
-              <a:rPr lang="en-US" dirty="0" smtClean="0"/>
-              <a:t>Ordering constraints</a:t>
-            </a:r>
-            <a:endParaRPr lang="en-US" dirty="0"/>
-          </a:p>
-        </p:txBody>
-      </p:sp>
-      <p:sp>
-        <p:nvSpPr>
-          <p:cNvPr id="3" name="Content Placeholder 2"/>
-          <p:cNvSpPr>
-            <a:spLocks noGrp="1"/>
-          </p:cNvSpPr>
-          <p:nvPr>
-            <p:ph idx="1"/>
-          </p:nvPr>
-        </p:nvSpPr>
-        <p:spPr>
-          <a:xfrm>
-            <a:off x="457200" y="1143001"/>
-            <a:ext cx="8229600" cy="838200"/>
-          </a:xfrm>
-        </p:spPr>
-        <p:txBody>
-          <a:bodyPr>
-            <a:normAutofit fontScale="77500" lnSpcReduction="20000"/>
-          </a:bodyPr>
-          <a:lstStyle/>
-          <a:p>
-            <a:r>
-              <a:rPr lang="en-US" dirty="0" smtClean="0"/>
-              <a:t>What if you want </a:t>
-            </a:r>
-            <a:r>
-              <a:rPr lang="en-US" dirty="0" err="1" smtClean="0"/>
-              <a:t>dequeue</a:t>
-            </a:r>
-            <a:r>
-              <a:rPr lang="en-US" dirty="0" smtClean="0"/>
-              <a:t>() to wait if queue is empty?</a:t>
-            </a:r>
-          </a:p>
-          <a:p>
-            <a:r>
-              <a:rPr lang="en-US" dirty="0" smtClean="0"/>
-              <a:t>What’s problem with solution below?</a:t>
-            </a:r>
-            <a:endParaRPr lang="en-US" dirty="0"/>
-          </a:p>
-        </p:txBody>
-      </p:sp>
-      <p:sp>
-        <p:nvSpPr>
-          <p:cNvPr id="4" name="Date Placeholder 3"/>
-          <p:cNvSpPr>
-            <a:spLocks noGrp="1"/>
-          </p:cNvSpPr>
-          <p:nvPr>
-            <p:ph type="dt" sz="half" idx="10"/>
-          </p:nvPr>
-        </p:nvSpPr>
-        <p:spPr/>
-        <p:txBody>
-          <a:bodyPr/>
-          <a:lstStyle/>
-          <a:p>
-            <a:fld id="{484FC7DC-99C5-B841-BC67-A822311DD890}" type="datetime1">
-              <a:rPr lang="en-US" smtClean="0"/>
-              <a:t>2/11/18</a:t>
-            </a:fld>
-            <a:endParaRPr lang="en-US"/>
-          </a:p>
-        </p:txBody>
-      </p:sp>
-      <p:sp>
-        <p:nvSpPr>
-          <p:cNvPr id="5" name="Footer Placeholder 4"/>
-          <p:cNvSpPr>
-            <a:spLocks noGrp="1"/>
-          </p:cNvSpPr>
-          <p:nvPr>
-            <p:ph type="ftr" sz="quarter" idx="11"/>
-          </p:nvPr>
-        </p:nvSpPr>
-        <p:spPr/>
-        <p:txBody>
-          <a:bodyPr/>
-          <a:lstStyle/>
-          <a:p>
-            <a:pPr>
-              <a:defRPr/>
-            </a:pPr>
-            <a:r>
-              <a:rPr lang="en-US" altLang="en-US" smtClean="0"/>
-              <a:t>Operating Systems: Lecture 6</a:t>
-            </a:r>
-            <a:endParaRPr lang="en-US" altLang="en-US"/>
-          </a:p>
-        </p:txBody>
-      </p:sp>
-      <p:sp>
-        <p:nvSpPr>
-          <p:cNvPr id="6" name="Slide Number Placeholder 5"/>
-          <p:cNvSpPr>
-            <a:spLocks noGrp="1"/>
-          </p:cNvSpPr>
-          <p:nvPr>
-            <p:ph type="sldNum" sz="quarter" idx="12"/>
-          </p:nvPr>
-        </p:nvSpPr>
-        <p:spPr/>
-        <p:txBody>
-          <a:bodyPr/>
-          <a:lstStyle/>
-          <a:p>
-            <a:fld id="{2907D84A-D9E1-964C-B1EF-5C5C24A64F29}" type="slidenum">
-              <a:rPr lang="en-US" smtClean="0"/>
-              <a:pPr/>
-              <a:t>27</a:t>
-            </a:fld>
-            <a:endParaRPr lang="en-US"/>
-          </a:p>
-        </p:txBody>
-      </p:sp>
-      <p:pic>
-        <p:nvPicPr>
-          <p:cNvPr id="7" name="Picture 6"/>
-          <p:cNvPicPr>
-            <a:picLocks noChangeAspect="1"/>
-          </p:cNvPicPr>
-          <p:nvPr/>
-        </p:nvPicPr>
-        <p:blipFill>
-          <a:blip r:embed="rId2"/>
-          <a:stretch>
-            <a:fillRect/>
-          </a:stretch>
-        </p:blipFill>
-        <p:spPr>
-          <a:xfrm>
-            <a:off x="762000" y="1981200"/>
-            <a:ext cx="5207000" cy="4216400"/>
-          </a:xfrm>
-          <a:prstGeom prst="rect">
-            <a:avLst/>
-          </a:prstGeom>
-        </p:spPr>
-      </p:pic>
-    </p:spTree>
-    <p:extLst>
-      <p:ext uri="{BB962C8B-B14F-4D97-AF65-F5344CB8AC3E}">
-        <p14:creationId xmlns:p14="http://schemas.microsoft.com/office/powerpoint/2010/main" val="2118709376"/>
-      </p:ext>
-    </p:extLst>
-  </p:cSld>
-  <p:clrMapOvr>
-    <a:masterClrMapping/>
-  </p:clrMapOvr>
-</p:sld>
-</file>
-
-<file path=ppt/slides/slide28.xml><?xml version="1.0" encoding="utf-8"?>
-<p:sld xmlns:a="http://schemas.openxmlformats.org/drawingml/2006/main" xmlns:r="http://schemas.openxmlformats.org/officeDocument/2006/relationships" xmlns:p="http://schemas.openxmlformats.org/presentationml/2006/main">
-  <p:cSld>
-    <p:spTree>
-      <p:nvGrpSpPr>
-        <p:cNvPr id="1" name=""/>
-        <p:cNvGrpSpPr/>
-        <p:nvPr/>
-      </p:nvGrpSpPr>
-      <p:grpSpPr>
-        <a:xfrm>
-          <a:off x="0" y="0"/>
-          <a:ext cx="0" cy="0"/>
-          <a:chOff x="0" y="0"/>
-          <a:chExt cx="0" cy="0"/>
-        </a:xfrm>
-      </p:grpSpPr>
-      <p:sp>
-        <p:nvSpPr>
-          <p:cNvPr id="2" name="Title 1"/>
-          <p:cNvSpPr>
-            <a:spLocks noGrp="1"/>
-          </p:cNvSpPr>
-          <p:nvPr>
-            <p:ph type="title"/>
-          </p:nvPr>
-        </p:nvSpPr>
-        <p:spPr/>
-        <p:txBody>
-          <a:bodyPr/>
-          <a:lstStyle/>
-          <a:p>
-            <a:r>
-              <a:rPr lang="en-US" dirty="0" smtClean="0"/>
-              <a:t>Ordering constraints, pt. 2</a:t>
-            </a:r>
-            <a:endParaRPr lang="en-US" dirty="0"/>
-          </a:p>
-        </p:txBody>
-      </p:sp>
-      <p:sp>
-        <p:nvSpPr>
-          <p:cNvPr id="3" name="Content Placeholder 2"/>
-          <p:cNvSpPr>
-            <a:spLocks noGrp="1"/>
-          </p:cNvSpPr>
-          <p:nvPr>
-            <p:ph idx="1"/>
-          </p:nvPr>
-        </p:nvSpPr>
-        <p:spPr>
-          <a:xfrm>
-            <a:off x="457200" y="1143001"/>
-            <a:ext cx="8229600" cy="838200"/>
-          </a:xfrm>
-        </p:spPr>
-        <p:txBody>
-          <a:bodyPr>
-            <a:normAutofit fontScale="77500" lnSpcReduction="20000"/>
-          </a:bodyPr>
-          <a:lstStyle/>
-          <a:p>
-            <a:r>
-              <a:rPr lang="en-US" dirty="0" smtClean="0"/>
-              <a:t>What if you want </a:t>
-            </a:r>
-            <a:r>
-              <a:rPr lang="en-US" dirty="0" err="1" smtClean="0"/>
-              <a:t>dequeue</a:t>
-            </a:r>
-            <a:r>
-              <a:rPr lang="en-US" dirty="0" smtClean="0"/>
-              <a:t>() to wait if queue is empty?</a:t>
-            </a:r>
-          </a:p>
-          <a:p>
-            <a:r>
-              <a:rPr lang="en-US" dirty="0" smtClean="0"/>
-              <a:t>What’s problem with solution below?</a:t>
-            </a:r>
-            <a:endParaRPr lang="en-US" dirty="0"/>
-          </a:p>
-        </p:txBody>
-      </p:sp>
-      <p:sp>
-        <p:nvSpPr>
-          <p:cNvPr id="4" name="Date Placeholder 3"/>
-          <p:cNvSpPr>
-            <a:spLocks noGrp="1"/>
-          </p:cNvSpPr>
-          <p:nvPr>
-            <p:ph type="dt" sz="half" idx="10"/>
-          </p:nvPr>
-        </p:nvSpPr>
-        <p:spPr/>
-        <p:txBody>
-          <a:bodyPr/>
-          <a:lstStyle/>
-          <a:p>
-            <a:fld id="{484FC7DC-99C5-B841-BC67-A822311DD890}" type="datetime1">
-              <a:rPr lang="en-US" smtClean="0"/>
-              <a:t>2/11/18</a:t>
-            </a:fld>
-            <a:endParaRPr lang="en-US"/>
-          </a:p>
-        </p:txBody>
-      </p:sp>
-      <p:sp>
-        <p:nvSpPr>
-          <p:cNvPr id="5" name="Footer Placeholder 4"/>
-          <p:cNvSpPr>
-            <a:spLocks noGrp="1"/>
-          </p:cNvSpPr>
-          <p:nvPr>
-            <p:ph type="ftr" sz="quarter" idx="11"/>
-          </p:nvPr>
-        </p:nvSpPr>
-        <p:spPr/>
-        <p:txBody>
-          <a:bodyPr/>
-          <a:lstStyle/>
-          <a:p>
-            <a:pPr>
-              <a:defRPr/>
-            </a:pPr>
-            <a:r>
-              <a:rPr lang="en-US" altLang="en-US" smtClean="0"/>
-              <a:t>Operating Systems: Lecture 6</a:t>
-            </a:r>
-            <a:endParaRPr lang="en-US" altLang="en-US"/>
-          </a:p>
-        </p:txBody>
-      </p:sp>
-      <p:sp>
-        <p:nvSpPr>
-          <p:cNvPr id="6" name="Slide Number Placeholder 5"/>
-          <p:cNvSpPr>
-            <a:spLocks noGrp="1"/>
-          </p:cNvSpPr>
-          <p:nvPr>
-            <p:ph type="sldNum" sz="quarter" idx="12"/>
-          </p:nvPr>
-        </p:nvSpPr>
-        <p:spPr/>
-        <p:txBody>
-          <a:bodyPr/>
-          <a:lstStyle/>
-          <a:p>
-            <a:fld id="{2907D84A-D9E1-964C-B1EF-5C5C24A64F29}" type="slidenum">
-              <a:rPr lang="en-US" smtClean="0"/>
-              <a:pPr/>
-              <a:t>28</a:t>
-            </a:fld>
-            <a:endParaRPr lang="en-US"/>
-          </a:p>
-        </p:txBody>
-      </p:sp>
-      <p:pic>
-        <p:nvPicPr>
-          <p:cNvPr id="8" name="Picture 7"/>
-          <p:cNvPicPr>
-            <a:picLocks noChangeAspect="1"/>
-          </p:cNvPicPr>
-          <p:nvPr/>
-        </p:nvPicPr>
-        <p:blipFill>
-          <a:blip r:embed="rId2"/>
-          <a:stretch>
-            <a:fillRect/>
-          </a:stretch>
-        </p:blipFill>
-        <p:spPr>
-          <a:xfrm>
-            <a:off x="914400" y="1981200"/>
-            <a:ext cx="5143500" cy="4178300"/>
-          </a:xfrm>
-          <a:prstGeom prst="rect">
-            <a:avLst/>
-          </a:prstGeom>
-        </p:spPr>
-      </p:pic>
-    </p:spTree>
-    <p:extLst>
-      <p:ext uri="{BB962C8B-B14F-4D97-AF65-F5344CB8AC3E}">
-        <p14:creationId xmlns:p14="http://schemas.microsoft.com/office/powerpoint/2010/main" val="2772925605"/>
-      </p:ext>
-    </p:extLst>
-  </p:cSld>
-  <p:clrMapOvr>
-    <a:masterClrMapping/>
-  </p:clrMapOvr>
-</p:sld>
-</file>
-
-<file path=ppt/slides/slide29.xml><?xml version="1.0" encoding="utf-8"?>
-<p:sld xmlns:a="http://schemas.openxmlformats.org/drawingml/2006/main" xmlns:r="http://schemas.openxmlformats.org/officeDocument/2006/relationships" xmlns:p="http://schemas.openxmlformats.org/presentationml/2006/main">
-  <p:cSld>
-    <p:spTree>
-      <p:nvGrpSpPr>
-        <p:cNvPr id="1" name=""/>
-        <p:cNvGrpSpPr/>
-        <p:nvPr/>
-      </p:nvGrpSpPr>
-      <p:grpSpPr>
-        <a:xfrm>
-          <a:off x="0" y="0"/>
-          <a:ext cx="0" cy="0"/>
-          <a:chOff x="0" y="0"/>
-          <a:chExt cx="0" cy="0"/>
-        </a:xfrm>
-      </p:grpSpPr>
-      <p:sp>
-        <p:nvSpPr>
-          <p:cNvPr id="2" name="Title 1"/>
-          <p:cNvSpPr>
-            <a:spLocks noGrp="1"/>
-          </p:cNvSpPr>
-          <p:nvPr>
-            <p:ph type="title"/>
-          </p:nvPr>
-        </p:nvSpPr>
-        <p:spPr/>
-        <p:txBody>
-          <a:bodyPr/>
-          <a:lstStyle/>
-          <a:p>
-            <a:r>
-              <a:rPr lang="en-US" dirty="0" smtClean="0"/>
-              <a:t>Avoiding busy waiting</a:t>
-            </a:r>
-            <a:endParaRPr lang="en-US" dirty="0"/>
-          </a:p>
-        </p:txBody>
-      </p:sp>
-      <p:sp>
-        <p:nvSpPr>
-          <p:cNvPr id="3" name="Content Placeholder 2"/>
-          <p:cNvSpPr>
-            <a:spLocks noGrp="1"/>
-          </p:cNvSpPr>
-          <p:nvPr>
-            <p:ph idx="1"/>
-          </p:nvPr>
-        </p:nvSpPr>
-        <p:spPr/>
-        <p:txBody>
-          <a:bodyPr/>
-          <a:lstStyle/>
-          <a:p>
-            <a:r>
-              <a:rPr lang="en-US" dirty="0" smtClean="0"/>
-              <a:t>Have </a:t>
-            </a:r>
-            <a:r>
-              <a:rPr lang="en-US" dirty="0" err="1" smtClean="0"/>
-              <a:t>dequeuer</a:t>
-            </a:r>
-            <a:r>
-              <a:rPr lang="en-US" dirty="0" smtClean="0"/>
-              <a:t> “go to sleep”</a:t>
-            </a:r>
-          </a:p>
-          <a:p>
-            <a:pPr lvl="1"/>
-            <a:r>
-              <a:rPr lang="en-US" dirty="0" smtClean="0"/>
-              <a:t>Put </a:t>
-            </a:r>
-            <a:r>
-              <a:rPr lang="en-US" dirty="0" err="1" smtClean="0"/>
-              <a:t>dequeuer</a:t>
-            </a:r>
-            <a:r>
-              <a:rPr lang="en-US" dirty="0" smtClean="0"/>
-              <a:t> on waiting list, then go to sleep</a:t>
-            </a:r>
-          </a:p>
-          <a:p>
-            <a:pPr marL="344487" lvl="1" indent="0">
-              <a:buNone/>
-            </a:pPr>
-            <a:r>
-              <a:rPr lang="en-US" dirty="0" smtClean="0">
-                <a:latin typeface="Courier New"/>
-                <a:cs typeface="Courier New"/>
-              </a:rPr>
-              <a:t>if (queue is empty) {</a:t>
-            </a:r>
-          </a:p>
-          <a:p>
-            <a:pPr marL="344487" lvl="1" indent="0">
-              <a:buNone/>
-            </a:pPr>
-            <a:r>
-              <a:rPr lang="en-US" dirty="0">
-                <a:latin typeface="Courier New"/>
-                <a:cs typeface="Courier New"/>
-              </a:rPr>
-              <a:t>	</a:t>
-            </a:r>
-            <a:r>
-              <a:rPr lang="en-US" dirty="0" smtClean="0">
-                <a:latin typeface="Courier New"/>
-                <a:cs typeface="Courier New"/>
-              </a:rPr>
-              <a:t>add self to waiting list</a:t>
-            </a:r>
-          </a:p>
-          <a:p>
-            <a:pPr marL="344487" lvl="1" indent="0">
-              <a:buNone/>
-            </a:pPr>
-            <a:r>
-              <a:rPr lang="en-US" dirty="0">
-                <a:latin typeface="Courier New"/>
-                <a:cs typeface="Courier New"/>
-              </a:rPr>
-              <a:t>	</a:t>
-            </a:r>
-            <a:r>
-              <a:rPr lang="en-US" dirty="0" smtClean="0">
-                <a:latin typeface="Courier New"/>
-                <a:cs typeface="Courier New"/>
-              </a:rPr>
-              <a:t>go to sleep</a:t>
-            </a:r>
-          </a:p>
-          <a:p>
-            <a:pPr marL="344487" lvl="1" indent="0">
-              <a:buNone/>
-            </a:pPr>
-            <a:r>
-              <a:rPr lang="en-US" dirty="0">
-                <a:latin typeface="Courier New"/>
-                <a:cs typeface="Courier New"/>
-              </a:rPr>
-              <a:t>}</a:t>
-            </a:r>
-            <a:endParaRPr lang="en-US" dirty="0" smtClean="0">
-              <a:latin typeface="Courier New"/>
-              <a:cs typeface="Courier New"/>
-            </a:endParaRPr>
-          </a:p>
-          <a:p>
-            <a:pPr lvl="1"/>
-            <a:r>
-              <a:rPr lang="en-US" dirty="0" smtClean="0"/>
-              <a:t>Wait to be awoken once something’s in queue</a:t>
-            </a:r>
-            <a:endParaRPr lang="en-US" dirty="0"/>
-          </a:p>
-        </p:txBody>
-      </p:sp>
-      <p:sp>
-        <p:nvSpPr>
-          <p:cNvPr id="4" name="Date Placeholder 3"/>
-          <p:cNvSpPr>
-            <a:spLocks noGrp="1"/>
-          </p:cNvSpPr>
-          <p:nvPr>
-            <p:ph type="dt" sz="half" idx="10"/>
-          </p:nvPr>
-        </p:nvSpPr>
-        <p:spPr/>
-        <p:txBody>
-          <a:bodyPr/>
-          <a:lstStyle/>
-          <a:p>
-            <a:fld id="{484FC7DC-99C5-B841-BC67-A822311DD890}" type="datetime1">
-              <a:rPr lang="en-US" smtClean="0"/>
-              <a:t>2/11/18</a:t>
-            </a:fld>
-            <a:endParaRPr lang="en-US"/>
-          </a:p>
-        </p:txBody>
-      </p:sp>
-      <p:sp>
-        <p:nvSpPr>
-          <p:cNvPr id="5" name="Footer Placeholder 4"/>
-          <p:cNvSpPr>
-            <a:spLocks noGrp="1"/>
-          </p:cNvSpPr>
-          <p:nvPr>
-            <p:ph type="ftr" sz="quarter" idx="11"/>
-          </p:nvPr>
-        </p:nvSpPr>
-        <p:spPr/>
-        <p:txBody>
-          <a:bodyPr/>
-          <a:lstStyle/>
-          <a:p>
-            <a:pPr>
-              <a:defRPr/>
-            </a:pPr>
-            <a:r>
-              <a:rPr lang="en-US" altLang="en-US" smtClean="0"/>
-              <a:t>Operating Systems: Lecture 6</a:t>
-            </a:r>
-            <a:endParaRPr lang="en-US" altLang="en-US"/>
-          </a:p>
-        </p:txBody>
-      </p:sp>
-      <p:sp>
-        <p:nvSpPr>
-          <p:cNvPr id="6" name="Slide Number Placeholder 5"/>
-          <p:cNvSpPr>
-            <a:spLocks noGrp="1"/>
-          </p:cNvSpPr>
-          <p:nvPr>
-            <p:ph type="sldNum" sz="quarter" idx="12"/>
-          </p:nvPr>
-        </p:nvSpPr>
-        <p:spPr/>
-        <p:txBody>
-          <a:bodyPr/>
-          <a:lstStyle/>
-          <a:p>
-            <a:fld id="{2907D84A-D9E1-964C-B1EF-5C5C24A64F29}" type="slidenum">
-              <a:rPr lang="en-US" smtClean="0"/>
-              <a:pPr/>
-              <a:t>29</a:t>
-            </a:fld>
-            <a:endParaRPr lang="en-US"/>
-          </a:p>
-        </p:txBody>
-      </p:sp>
-    </p:spTree>
-    <p:extLst>
-      <p:ext uri="{BB962C8B-B14F-4D97-AF65-F5344CB8AC3E}">
-        <p14:creationId xmlns:p14="http://schemas.microsoft.com/office/powerpoint/2010/main" val="3164022106"/>
-      </p:ext>
-    </p:extLst>
-  </p:cSld>
-  <p:clrMapOvr>
-    <a:masterClrMapping/>
-  </p:clrMapOvr>
-</p:sld>
-</file>
-
-<file path=ppt/slides/slide3.xml><?xml version="1.0" encoding="utf-8"?>
-<p:sld xmlns:a="http://schemas.openxmlformats.org/drawingml/2006/main" xmlns:r="http://schemas.openxmlformats.org/officeDocument/2006/relationships" xmlns:p="http://schemas.openxmlformats.org/presentationml/2006/main">
-  <p:cSld>
-    <p:spTree>
-      <p:nvGrpSpPr>
-        <p:cNvPr id="1" name=""/>
-        <p:cNvGrpSpPr/>
-        <p:nvPr/>
-      </p:nvGrpSpPr>
-      <p:grpSpPr>
-        <a:xfrm>
-          <a:off x="0" y="0"/>
-          <a:ext cx="0" cy="0"/>
-          <a:chOff x="0" y="0"/>
-          <a:chExt cx="0" cy="0"/>
-        </a:xfrm>
-      </p:grpSpPr>
-      <p:sp>
-        <p:nvSpPr>
-          <p:cNvPr id="2" name="Title 1"/>
-          <p:cNvSpPr>
-            <a:spLocks noGrp="1"/>
-          </p:cNvSpPr>
-          <p:nvPr>
-            <p:ph type="title"/>
-          </p:nvPr>
-        </p:nvSpPr>
-        <p:spPr/>
-        <p:txBody>
-          <a:bodyPr/>
-          <a:lstStyle/>
-          <a:p>
-            <a:r>
-              <a:rPr lang="en-US" dirty="0" smtClean="0"/>
-              <a:t>Review: Threads</a:t>
-            </a:r>
-            <a:endParaRPr lang="en-US" dirty="0"/>
-          </a:p>
-        </p:txBody>
-      </p:sp>
-      <p:sp>
-        <p:nvSpPr>
-          <p:cNvPr id="3" name="Content Placeholder 2"/>
-          <p:cNvSpPr>
-            <a:spLocks noGrp="1"/>
-          </p:cNvSpPr>
-          <p:nvPr>
-            <p:ph idx="1"/>
-          </p:nvPr>
-        </p:nvSpPr>
-        <p:spPr/>
-        <p:txBody>
-          <a:bodyPr>
-            <a:normAutofit fontScale="92500" lnSpcReduction="10000"/>
-          </a:bodyPr>
-          <a:lstStyle/>
-          <a:p>
-            <a:r>
-              <a:rPr lang="en-US" dirty="0" smtClean="0"/>
-              <a:t>Thread: active sequence of instructions</a:t>
-            </a:r>
-          </a:p>
-          <a:p>
-            <a:pPr lvl="1"/>
-            <a:r>
-              <a:rPr lang="en-US" dirty="0" smtClean="0"/>
-              <a:t>Basic unit of CPU utilization</a:t>
-            </a:r>
-          </a:p>
-          <a:p>
-            <a:pPr lvl="1"/>
-            <a:r>
-              <a:rPr lang="en-US" dirty="0" smtClean="0"/>
-              <a:t>Thread creation is lightweight</a:t>
-            </a:r>
-          </a:p>
-          <a:p>
-            <a:pPr lvl="1"/>
-            <a:r>
-              <a:rPr lang="en-US" dirty="0" smtClean="0"/>
-              <a:t>Multiple threads in same process can share address space</a:t>
-            </a:r>
-          </a:p>
-          <a:p>
-            <a:pPr lvl="2"/>
-            <a:r>
-              <a:rPr lang="en-US" dirty="0" smtClean="0"/>
-              <a:t>Each thread needs own PC, register copies, stack + SP</a:t>
-            </a:r>
-          </a:p>
-          <a:p>
-            <a:r>
-              <a:rPr lang="en-US" dirty="0" smtClean="0"/>
-              <a:t>Threads provide concurrency within application</a:t>
-            </a:r>
-          </a:p>
-          <a:p>
-            <a:pPr lvl="1"/>
-            <a:r>
-              <a:rPr lang="en-US" dirty="0" smtClean="0"/>
-              <a:t>HW support necessary for parallelism</a:t>
-            </a:r>
-          </a:p>
-          <a:p>
-            <a:r>
-              <a:rPr lang="en-US" dirty="0" smtClean="0"/>
-              <a:t>Major issue: non-deterministic ordering</a:t>
-            </a:r>
-          </a:p>
-          <a:p>
-            <a:pPr lvl="1"/>
-            <a:r>
-              <a:rPr lang="en-US" dirty="0" smtClean="0"/>
-              <a:t>Solutions require atomic operations</a:t>
-            </a:r>
-          </a:p>
-          <a:p>
-            <a:pPr lvl="1"/>
-            <a:r>
-              <a:rPr lang="en-US" dirty="0" smtClean="0"/>
-              <a:t>Avoid race condition: solution depends on timing/ordering of earlier events</a:t>
-            </a:r>
-          </a:p>
-        </p:txBody>
-      </p:sp>
-      <p:sp>
-        <p:nvSpPr>
-          <p:cNvPr id="4" name="Date Placeholder 3"/>
-          <p:cNvSpPr>
-            <a:spLocks noGrp="1"/>
-          </p:cNvSpPr>
-          <p:nvPr>
-            <p:ph type="dt" sz="half" idx="10"/>
-          </p:nvPr>
-        </p:nvSpPr>
-        <p:spPr/>
-        <p:txBody>
-          <a:bodyPr/>
-          <a:lstStyle/>
-          <a:p>
-            <a:fld id="{A05BE6B7-B0DA-944B-B7A2-BBD8AAB68701}" type="datetime1">
-              <a:rPr lang="en-US" smtClean="0"/>
-              <a:t>2/11/18</a:t>
-            </a:fld>
-            <a:endParaRPr lang="en-US"/>
-          </a:p>
-        </p:txBody>
-      </p:sp>
-      <p:sp>
-        <p:nvSpPr>
-          <p:cNvPr id="5" name="Footer Placeholder 4"/>
-          <p:cNvSpPr>
-            <a:spLocks noGrp="1"/>
-          </p:cNvSpPr>
-          <p:nvPr>
-            <p:ph type="ftr" sz="quarter" idx="11"/>
-          </p:nvPr>
-        </p:nvSpPr>
-        <p:spPr/>
-        <p:txBody>
-          <a:bodyPr/>
-          <a:lstStyle/>
-          <a:p>
-            <a:pPr>
-              <a:defRPr/>
-            </a:pPr>
-            <a:r>
-              <a:rPr lang="en-US" altLang="en-US" smtClean="0"/>
-              <a:t>Operating Systems: Lecture 6</a:t>
-            </a:r>
-            <a:endParaRPr lang="en-US" altLang="en-US"/>
-          </a:p>
-        </p:txBody>
-      </p:sp>
-      <p:sp>
-        <p:nvSpPr>
-          <p:cNvPr id="6" name="Slide Number Placeholder 5"/>
-          <p:cNvSpPr>
-            <a:spLocks noGrp="1"/>
-          </p:cNvSpPr>
-          <p:nvPr>
-            <p:ph type="sldNum" sz="quarter" idx="12"/>
-          </p:nvPr>
-        </p:nvSpPr>
-        <p:spPr/>
-        <p:txBody>
-          <a:bodyPr/>
-          <a:lstStyle/>
-          <a:p>
-            <a:fld id="{2907D84A-D9E1-964C-B1EF-5C5C24A64F29}" type="slidenum">
-              <a:rPr lang="en-US" smtClean="0"/>
-              <a:pPr/>
-              <a:t>3</a:t>
-            </a:fld>
-            <a:endParaRPr lang="en-US"/>
-          </a:p>
-        </p:txBody>
-      </p:sp>
-    </p:spTree>
-    <p:extLst>
-      <p:ext uri="{BB962C8B-B14F-4D97-AF65-F5344CB8AC3E}">
-        <p14:creationId xmlns:p14="http://schemas.microsoft.com/office/powerpoint/2010/main" val="4075787339"/>
-      </p:ext>
-    </p:extLst>
-  </p:cSld>
-  <p:clrMapOvr>
-    <a:masterClrMapping/>
-  </p:clrMapOvr>
-  <p:timing>
-    <p:tnLst>
-      <p:par>
-        <p:cTn xmlns:p14="http://schemas.microsoft.com/office/powerpoint/2010/main" id="1" dur="indefinite" restart="never" nodeType="tmRoot"/>
-      </p:par>
-    </p:tnLst>
-  </p:timing>
-</p:sld>
-</file>
-
-<file path=ppt/slides/slide30.xml><?xml version="1.0" encoding="utf-8"?>
-<p:sld xmlns:a="http://schemas.openxmlformats.org/drawingml/2006/main" xmlns:r="http://schemas.openxmlformats.org/officeDocument/2006/relationships" xmlns:p="http://schemas.openxmlformats.org/presentationml/2006/main">
-  <p:cSld>
-    <p:spTree>
-      <p:nvGrpSpPr>
-        <p:cNvPr id="1" name=""/>
-        <p:cNvGrpSpPr/>
-        <p:nvPr/>
-      </p:nvGrpSpPr>
-      <p:grpSpPr>
-        <a:xfrm>
-          <a:off x="0" y="0"/>
-          <a:ext cx="0" cy="0"/>
-          <a:chOff x="0" y="0"/>
-          <a:chExt cx="0" cy="0"/>
-        </a:xfrm>
-      </p:grpSpPr>
-      <p:sp>
-        <p:nvSpPr>
-          <p:cNvPr id="2" name="Title 1"/>
-          <p:cNvSpPr>
-            <a:spLocks noGrp="1"/>
-          </p:cNvSpPr>
-          <p:nvPr>
-            <p:ph type="title"/>
-          </p:nvPr>
-        </p:nvSpPr>
-        <p:spPr/>
-        <p:txBody>
-          <a:bodyPr/>
-          <a:lstStyle/>
-          <a:p>
-            <a:r>
-              <a:rPr lang="en-US" dirty="0" smtClean="0"/>
-              <a:t>Synchronization types</a:t>
-            </a:r>
-            <a:endParaRPr lang="en-US" dirty="0"/>
-          </a:p>
-        </p:txBody>
-      </p:sp>
-      <p:sp>
-        <p:nvSpPr>
-          <p:cNvPr id="3" name="Content Placeholder 2"/>
-          <p:cNvSpPr>
-            <a:spLocks noGrp="1"/>
-          </p:cNvSpPr>
-          <p:nvPr>
-            <p:ph idx="1"/>
-          </p:nvPr>
-        </p:nvSpPr>
-        <p:spPr/>
-        <p:txBody>
-          <a:bodyPr/>
-          <a:lstStyle/>
-          <a:p>
-            <a:r>
-              <a:rPr lang="en-US" dirty="0" smtClean="0"/>
-              <a:t>Mutual exclusion</a:t>
-            </a:r>
-          </a:p>
-          <a:p>
-            <a:pPr lvl="1"/>
-            <a:r>
-              <a:rPr lang="en-US" dirty="0" smtClean="0"/>
-              <a:t>Ensures only one thread in critical section</a:t>
-            </a:r>
-          </a:p>
-          <a:p>
-            <a:pPr lvl="1"/>
-            <a:r>
-              <a:rPr lang="en-US" dirty="0" smtClean="0"/>
-              <a:t>“Not at the same time”</a:t>
-            </a:r>
-          </a:p>
-          <a:p>
-            <a:pPr lvl="1"/>
-            <a:r>
-              <a:rPr lang="en-US" dirty="0" smtClean="0"/>
-              <a:t>lock/unlock</a:t>
-            </a:r>
-          </a:p>
-          <a:p>
-            <a:r>
-              <a:rPr lang="en-US" dirty="0" smtClean="0"/>
-              <a:t>Condition variables</a:t>
-            </a:r>
-          </a:p>
-          <a:p>
-            <a:pPr lvl="1"/>
-            <a:r>
-              <a:rPr lang="en-US" dirty="0" smtClean="0"/>
-              <a:t>Used when one thread must wait for another to do something</a:t>
-            </a:r>
-          </a:p>
-          <a:p>
-            <a:pPr lvl="1"/>
-            <a:r>
-              <a:rPr lang="en-US" dirty="0" smtClean="0"/>
-              <a:t>“Before/after”</a:t>
-            </a:r>
-          </a:p>
-          <a:p>
-            <a:pPr lvl="1"/>
-            <a:r>
-              <a:rPr lang="en-US" dirty="0" err="1" smtClean="0"/>
-              <a:t>dequeue</a:t>
-            </a:r>
-            <a:r>
-              <a:rPr lang="en-US" dirty="0" smtClean="0"/>
-              <a:t>() must wait for </a:t>
-            </a:r>
-            <a:r>
-              <a:rPr lang="en-US" dirty="0" err="1" smtClean="0"/>
-              <a:t>enqueue</a:t>
-            </a:r>
-            <a:r>
-              <a:rPr lang="en-US" dirty="0" smtClean="0"/>
-              <a:t>() if empty</a:t>
-            </a:r>
-            <a:endParaRPr lang="en-US" dirty="0"/>
-          </a:p>
-        </p:txBody>
-      </p:sp>
-      <p:sp>
-        <p:nvSpPr>
-          <p:cNvPr id="4" name="Date Placeholder 3"/>
-          <p:cNvSpPr>
-            <a:spLocks noGrp="1"/>
-          </p:cNvSpPr>
-          <p:nvPr>
-            <p:ph type="dt" sz="half" idx="10"/>
-          </p:nvPr>
-        </p:nvSpPr>
-        <p:spPr/>
-        <p:txBody>
-          <a:bodyPr/>
-          <a:lstStyle/>
-          <a:p>
-            <a:fld id="{484FC7DC-99C5-B841-BC67-A822311DD890}" type="datetime1">
-              <a:rPr lang="en-US" smtClean="0"/>
-              <a:t>2/11/18</a:t>
-            </a:fld>
-            <a:endParaRPr lang="en-US"/>
-          </a:p>
-        </p:txBody>
-      </p:sp>
-      <p:sp>
-        <p:nvSpPr>
-          <p:cNvPr id="5" name="Footer Placeholder 4"/>
-          <p:cNvSpPr>
-            <a:spLocks noGrp="1"/>
-          </p:cNvSpPr>
-          <p:nvPr>
-            <p:ph type="ftr" sz="quarter" idx="11"/>
-          </p:nvPr>
-        </p:nvSpPr>
-        <p:spPr/>
-        <p:txBody>
-          <a:bodyPr/>
-          <a:lstStyle/>
-          <a:p>
-            <a:pPr>
-              <a:defRPr/>
-            </a:pPr>
-            <a:r>
-              <a:rPr lang="en-US" altLang="en-US" smtClean="0"/>
-              <a:t>Operating Systems: Lecture 6</a:t>
-            </a:r>
-            <a:endParaRPr lang="en-US" altLang="en-US"/>
-          </a:p>
-        </p:txBody>
-      </p:sp>
-      <p:sp>
-        <p:nvSpPr>
-          <p:cNvPr id="6" name="Slide Number Placeholder 5"/>
-          <p:cNvSpPr>
-            <a:spLocks noGrp="1"/>
-          </p:cNvSpPr>
-          <p:nvPr>
-            <p:ph type="sldNum" sz="quarter" idx="12"/>
-          </p:nvPr>
-        </p:nvSpPr>
-        <p:spPr/>
-        <p:txBody>
-          <a:bodyPr/>
-          <a:lstStyle/>
-          <a:p>
-            <a:fld id="{2907D84A-D9E1-964C-B1EF-5C5C24A64F29}" type="slidenum">
-              <a:rPr lang="en-US" smtClean="0"/>
-              <a:pPr/>
-              <a:t>30</a:t>
-            </a:fld>
-            <a:endParaRPr lang="en-US"/>
-          </a:p>
-        </p:txBody>
-      </p:sp>
-    </p:spTree>
-    <p:extLst>
-      <p:ext uri="{BB962C8B-B14F-4D97-AF65-F5344CB8AC3E}">
-        <p14:creationId xmlns:p14="http://schemas.microsoft.com/office/powerpoint/2010/main" val="947592402"/>
-      </p:ext>
-    </p:extLst>
-  </p:cSld>
-  <p:clrMapOvr>
-    <a:masterClrMapping/>
-  </p:clrMapOvr>
-</p:sld>
-</file>
-
-<file path=ppt/slides/slide31.xml><?xml version="1.0" encoding="utf-8"?>
-<p:sld xmlns:a="http://schemas.openxmlformats.org/drawingml/2006/main" xmlns:r="http://schemas.openxmlformats.org/officeDocument/2006/relationships" xmlns:p="http://schemas.openxmlformats.org/presentationml/2006/main">
-  <p:cSld>
-    <p:spTree>
-      <p:nvGrpSpPr>
-        <p:cNvPr id="1" name=""/>
-        <p:cNvGrpSpPr/>
-        <p:nvPr/>
-      </p:nvGrpSpPr>
-      <p:grpSpPr>
-        <a:xfrm>
-          <a:off x="0" y="0"/>
-          <a:ext cx="0" cy="0"/>
-          <a:chOff x="0" y="0"/>
-          <a:chExt cx="0" cy="0"/>
-        </a:xfrm>
-      </p:grpSpPr>
-      <p:sp>
-        <p:nvSpPr>
-          <p:cNvPr id="2" name="Title 1"/>
-          <p:cNvSpPr>
-            <a:spLocks noGrp="1"/>
-          </p:cNvSpPr>
-          <p:nvPr>
-            <p:ph type="title"/>
-          </p:nvPr>
-        </p:nvSpPr>
-        <p:spPr/>
-        <p:txBody>
-          <a:bodyPr/>
-          <a:lstStyle/>
-          <a:p>
-            <a:r>
-              <a:rPr lang="en-US" dirty="0" smtClean="0"/>
-              <a:t>Condition variables</a:t>
-            </a:r>
-            <a:endParaRPr lang="en-US" dirty="0"/>
-          </a:p>
-        </p:txBody>
-      </p:sp>
-      <p:sp>
-        <p:nvSpPr>
-          <p:cNvPr id="3" name="Content Placeholder 2"/>
-          <p:cNvSpPr>
-            <a:spLocks noGrp="1"/>
-          </p:cNvSpPr>
-          <p:nvPr>
-            <p:ph idx="1"/>
-          </p:nvPr>
-        </p:nvSpPr>
-        <p:spPr/>
-        <p:txBody>
-          <a:bodyPr/>
-          <a:lstStyle/>
-          <a:p>
-            <a:r>
-              <a:rPr lang="en-US" dirty="0" smtClean="0"/>
-              <a:t>Enable thread to sleep inside critical section by (steps in red are atomic):</a:t>
-            </a:r>
-          </a:p>
-          <a:p>
-            <a:pPr lvl="1"/>
-            <a:r>
-              <a:rPr lang="en-US" b="1" dirty="0" smtClean="0">
-                <a:solidFill>
-                  <a:srgbClr val="FF0000"/>
-                </a:solidFill>
-              </a:rPr>
-              <a:t>Release lock</a:t>
-            </a:r>
-          </a:p>
-          <a:p>
-            <a:pPr lvl="1"/>
-            <a:r>
-              <a:rPr lang="en-US" b="1" dirty="0" smtClean="0">
-                <a:solidFill>
-                  <a:srgbClr val="FF0000"/>
-                </a:solidFill>
-              </a:rPr>
-              <a:t>Put thread on waiting list</a:t>
-            </a:r>
-          </a:p>
-          <a:p>
-            <a:pPr lvl="1"/>
-            <a:r>
-              <a:rPr lang="en-US" b="1" dirty="0" smtClean="0">
-                <a:solidFill>
-                  <a:srgbClr val="FF0000"/>
-                </a:solidFill>
-              </a:rPr>
-              <a:t>Go to sleep</a:t>
-            </a:r>
-          </a:p>
-          <a:p>
-            <a:pPr lvl="1"/>
-            <a:r>
-              <a:rPr lang="en-US" dirty="0" smtClean="0"/>
-              <a:t>After being woken, call lock()</a:t>
-            </a:r>
-          </a:p>
-          <a:p>
-            <a:r>
-              <a:rPr lang="en-US" dirty="0" smtClean="0"/>
-              <a:t>Each condition variable tracks list of threads waiting on that specific condition</a:t>
-            </a:r>
-          </a:p>
-          <a:p>
-            <a:r>
-              <a:rPr lang="en-US" dirty="0" smtClean="0"/>
-              <a:t>Each condition variable associated with lock</a:t>
-            </a:r>
-          </a:p>
-        </p:txBody>
-      </p:sp>
-      <p:sp>
-        <p:nvSpPr>
-          <p:cNvPr id="4" name="Date Placeholder 3"/>
-          <p:cNvSpPr>
-            <a:spLocks noGrp="1"/>
-          </p:cNvSpPr>
-          <p:nvPr>
-            <p:ph type="dt" sz="half" idx="10"/>
-          </p:nvPr>
-        </p:nvSpPr>
-        <p:spPr/>
-        <p:txBody>
-          <a:bodyPr/>
-          <a:lstStyle/>
-          <a:p>
-            <a:fld id="{484FC7DC-99C5-B841-BC67-A822311DD890}" type="datetime1">
-              <a:rPr lang="en-US" smtClean="0"/>
-              <a:t>2/11/18</a:t>
-            </a:fld>
-            <a:endParaRPr lang="en-US"/>
-          </a:p>
-        </p:txBody>
-      </p:sp>
-      <p:sp>
-        <p:nvSpPr>
-          <p:cNvPr id="5" name="Footer Placeholder 4"/>
-          <p:cNvSpPr>
-            <a:spLocks noGrp="1"/>
-          </p:cNvSpPr>
-          <p:nvPr>
-            <p:ph type="ftr" sz="quarter" idx="11"/>
-          </p:nvPr>
-        </p:nvSpPr>
-        <p:spPr/>
-        <p:txBody>
-          <a:bodyPr/>
-          <a:lstStyle/>
-          <a:p>
-            <a:pPr>
-              <a:defRPr/>
-            </a:pPr>
-            <a:r>
-              <a:rPr lang="en-US" altLang="en-US" smtClean="0"/>
-              <a:t>Operating Systems: Lecture 6</a:t>
-            </a:r>
-            <a:endParaRPr lang="en-US" altLang="en-US"/>
-          </a:p>
-        </p:txBody>
-      </p:sp>
-      <p:sp>
-        <p:nvSpPr>
-          <p:cNvPr id="6" name="Slide Number Placeholder 5"/>
-          <p:cNvSpPr>
-            <a:spLocks noGrp="1"/>
-          </p:cNvSpPr>
-          <p:nvPr>
-            <p:ph type="sldNum" sz="quarter" idx="12"/>
-          </p:nvPr>
-        </p:nvSpPr>
-        <p:spPr/>
-        <p:txBody>
-          <a:bodyPr/>
-          <a:lstStyle/>
-          <a:p>
-            <a:fld id="{2907D84A-D9E1-964C-B1EF-5C5C24A64F29}" type="slidenum">
-              <a:rPr lang="en-US" smtClean="0"/>
-              <a:pPr/>
-              <a:t>31</a:t>
-            </a:fld>
-            <a:endParaRPr lang="en-US"/>
-          </a:p>
-        </p:txBody>
-      </p:sp>
-    </p:spTree>
-    <p:extLst>
-      <p:ext uri="{BB962C8B-B14F-4D97-AF65-F5344CB8AC3E}">
-        <p14:creationId xmlns:p14="http://schemas.microsoft.com/office/powerpoint/2010/main" val="1061187744"/>
-      </p:ext>
-    </p:extLst>
-  </p:cSld>
-  <p:clrMapOvr>
-    <a:masterClrMapping/>
-  </p:clrMapOvr>
-</p:sld>
-</file>
-
-<file path=ppt/slides/slide32.xml><?xml version="1.0" encoding="utf-8"?>
-<p:sld xmlns:a="http://schemas.openxmlformats.org/drawingml/2006/main" xmlns:r="http://schemas.openxmlformats.org/officeDocument/2006/relationships" xmlns:p="http://schemas.openxmlformats.org/presentationml/2006/main">
-  <p:cSld>
-    <p:spTree>
-      <p:nvGrpSpPr>
-        <p:cNvPr id="1" name=""/>
-        <p:cNvGrpSpPr/>
-        <p:nvPr/>
-      </p:nvGrpSpPr>
-      <p:grpSpPr>
-        <a:xfrm>
-          <a:off x="0" y="0"/>
-          <a:ext cx="0" cy="0"/>
-          <a:chOff x="0" y="0"/>
-          <a:chExt cx="0" cy="0"/>
-        </a:xfrm>
-      </p:grpSpPr>
-      <p:sp>
-        <p:nvSpPr>
-          <p:cNvPr id="2" name="Title 1"/>
-          <p:cNvSpPr>
-            <a:spLocks noGrp="1"/>
-          </p:cNvSpPr>
-          <p:nvPr>
-            <p:ph type="title"/>
-          </p:nvPr>
-        </p:nvSpPr>
-        <p:spPr/>
-        <p:txBody>
-          <a:bodyPr/>
-          <a:lstStyle/>
-          <a:p>
-            <a:r>
-              <a:rPr lang="en-US" dirty="0" smtClean="0"/>
-              <a:t>Condition variable operations</a:t>
-            </a:r>
-            <a:endParaRPr lang="en-US" dirty="0"/>
-          </a:p>
-        </p:txBody>
-      </p:sp>
-      <p:sp>
-        <p:nvSpPr>
-          <p:cNvPr id="3" name="Content Placeholder 2"/>
-          <p:cNvSpPr>
-            <a:spLocks noGrp="1"/>
-          </p:cNvSpPr>
-          <p:nvPr>
-            <p:ph idx="1"/>
-          </p:nvPr>
-        </p:nvSpPr>
-        <p:spPr/>
-        <p:txBody>
-          <a:bodyPr/>
-          <a:lstStyle/>
-          <a:p>
-            <a:r>
-              <a:rPr lang="en-US" dirty="0" smtClean="0"/>
-              <a:t>wait()</a:t>
-            </a:r>
-          </a:p>
-          <a:p>
-            <a:pPr lvl="1"/>
-            <a:r>
-              <a:rPr lang="en-US" dirty="0" smtClean="0"/>
-              <a:t>Atomically release lock, add thread to waiting list, then go to sleep</a:t>
-            </a:r>
-          </a:p>
-          <a:p>
-            <a:pPr lvl="1"/>
-            <a:r>
-              <a:rPr lang="en-US" dirty="0" smtClean="0"/>
-              <a:t>Thread must hold lock when calling wait()</a:t>
-            </a:r>
-          </a:p>
-          <a:p>
-            <a:r>
-              <a:rPr lang="en-US" dirty="0" smtClean="0"/>
-              <a:t>signal()</a:t>
-            </a:r>
-          </a:p>
-          <a:p>
-            <a:pPr lvl="1"/>
-            <a:r>
-              <a:rPr lang="en-US" dirty="0"/>
-              <a:t>W</a:t>
-            </a:r>
-            <a:r>
-              <a:rPr lang="en-US" dirty="0" smtClean="0"/>
-              <a:t>ake up one thread waiting on condition variable</a:t>
-            </a:r>
-          </a:p>
-          <a:p>
-            <a:pPr lvl="1"/>
-            <a:r>
-              <a:rPr lang="en-US" dirty="0" smtClean="0"/>
-              <a:t>If no thread waiting, does nothing</a:t>
-            </a:r>
-          </a:p>
-          <a:p>
-            <a:r>
-              <a:rPr lang="en-US" dirty="0" smtClean="0"/>
-              <a:t>broadcast()</a:t>
-            </a:r>
-          </a:p>
-          <a:p>
-            <a:pPr lvl="1"/>
-            <a:r>
-              <a:rPr lang="en-US" dirty="0" smtClean="0"/>
-              <a:t>Wake up all threads waiting on condition variable</a:t>
-            </a:r>
-          </a:p>
-          <a:p>
-            <a:pPr lvl="1"/>
-            <a:r>
-              <a:rPr lang="en-US" dirty="0" smtClean="0"/>
-              <a:t>If no thread waiting, does nothing</a:t>
-            </a:r>
-            <a:endParaRPr lang="en-US" dirty="0"/>
-          </a:p>
-        </p:txBody>
-      </p:sp>
-      <p:sp>
-        <p:nvSpPr>
-          <p:cNvPr id="4" name="Date Placeholder 3"/>
-          <p:cNvSpPr>
-            <a:spLocks noGrp="1"/>
-          </p:cNvSpPr>
-          <p:nvPr>
-            <p:ph type="dt" sz="half" idx="10"/>
-          </p:nvPr>
-        </p:nvSpPr>
-        <p:spPr/>
-        <p:txBody>
-          <a:bodyPr/>
-          <a:lstStyle/>
-          <a:p>
-            <a:fld id="{484FC7DC-99C5-B841-BC67-A822311DD890}" type="datetime1">
-              <a:rPr lang="en-US" smtClean="0"/>
-              <a:t>2/11/18</a:t>
-            </a:fld>
-            <a:endParaRPr lang="en-US"/>
-          </a:p>
-        </p:txBody>
-      </p:sp>
-      <p:sp>
-        <p:nvSpPr>
-          <p:cNvPr id="5" name="Footer Placeholder 4"/>
-          <p:cNvSpPr>
-            <a:spLocks noGrp="1"/>
-          </p:cNvSpPr>
-          <p:nvPr>
-            <p:ph type="ftr" sz="quarter" idx="11"/>
-          </p:nvPr>
-        </p:nvSpPr>
-        <p:spPr/>
-        <p:txBody>
-          <a:bodyPr/>
-          <a:lstStyle/>
-          <a:p>
-            <a:pPr>
-              <a:defRPr/>
-            </a:pPr>
-            <a:r>
-              <a:rPr lang="en-US" altLang="en-US" smtClean="0"/>
-              <a:t>Operating Systems: Lecture 6</a:t>
-            </a:r>
-            <a:endParaRPr lang="en-US" altLang="en-US"/>
-          </a:p>
-        </p:txBody>
-      </p:sp>
-      <p:sp>
-        <p:nvSpPr>
-          <p:cNvPr id="6" name="Slide Number Placeholder 5"/>
-          <p:cNvSpPr>
-            <a:spLocks noGrp="1"/>
-          </p:cNvSpPr>
-          <p:nvPr>
-            <p:ph type="sldNum" sz="quarter" idx="12"/>
-          </p:nvPr>
-        </p:nvSpPr>
-        <p:spPr/>
-        <p:txBody>
-          <a:bodyPr/>
-          <a:lstStyle/>
-          <a:p>
-            <a:fld id="{2907D84A-D9E1-964C-B1EF-5C5C24A64F29}" type="slidenum">
-              <a:rPr lang="en-US" smtClean="0"/>
-              <a:pPr/>
-              <a:t>32</a:t>
-            </a:fld>
-            <a:endParaRPr lang="en-US"/>
-          </a:p>
-        </p:txBody>
-      </p:sp>
-    </p:spTree>
-    <p:extLst>
-      <p:ext uri="{BB962C8B-B14F-4D97-AF65-F5344CB8AC3E}">
-        <p14:creationId xmlns:p14="http://schemas.microsoft.com/office/powerpoint/2010/main" val="3856152338"/>
-      </p:ext>
-    </p:extLst>
-  </p:cSld>
-  <p:clrMapOvr>
-    <a:masterClrMapping/>
-  </p:clrMapOvr>
-</p:sld>
-</file>
-
-<file path=ppt/slides/slide33.xml><?xml version="1.0" encoding="utf-8"?>
-<p:sld xmlns:a="http://schemas.openxmlformats.org/drawingml/2006/main" xmlns:r="http://schemas.openxmlformats.org/officeDocument/2006/relationships" xmlns:p="http://schemas.openxmlformats.org/presentationml/2006/main">
-  <p:cSld>
-    <p:spTree>
-      <p:nvGrpSpPr>
-        <p:cNvPr id="1" name=""/>
-        <p:cNvGrpSpPr/>
-        <p:nvPr/>
-      </p:nvGrpSpPr>
-      <p:grpSpPr>
-        <a:xfrm>
-          <a:off x="0" y="0"/>
-          <a:ext cx="0" cy="0"/>
-          <a:chOff x="0" y="0"/>
-          <a:chExt cx="0" cy="0"/>
-        </a:xfrm>
-      </p:grpSpPr>
-      <p:sp>
-        <p:nvSpPr>
-          <p:cNvPr id="2" name="Title 1"/>
-          <p:cNvSpPr>
-            <a:spLocks noGrp="1"/>
-          </p:cNvSpPr>
-          <p:nvPr>
-            <p:ph type="title"/>
-          </p:nvPr>
-        </p:nvSpPr>
-        <p:spPr/>
-        <p:txBody>
-          <a:bodyPr/>
-          <a:lstStyle/>
-          <a:p>
-            <a:r>
-              <a:rPr lang="en-US" dirty="0" smtClean="0"/>
-              <a:t>Thread-safe queue with CVs</a:t>
-            </a:r>
-            <a:endParaRPr lang="en-US" dirty="0"/>
-          </a:p>
-        </p:txBody>
-      </p:sp>
-      <p:sp>
-        <p:nvSpPr>
-          <p:cNvPr id="4" name="Date Placeholder 3"/>
-          <p:cNvSpPr>
-            <a:spLocks noGrp="1"/>
-          </p:cNvSpPr>
-          <p:nvPr>
-            <p:ph type="dt" sz="half" idx="10"/>
-          </p:nvPr>
-        </p:nvSpPr>
-        <p:spPr/>
-        <p:txBody>
-          <a:bodyPr/>
-          <a:lstStyle/>
-          <a:p>
-            <a:fld id="{484FC7DC-99C5-B841-BC67-A822311DD890}" type="datetime1">
-              <a:rPr lang="en-US" smtClean="0"/>
-              <a:t>2/11/18</a:t>
-            </a:fld>
-            <a:endParaRPr lang="en-US"/>
-          </a:p>
-        </p:txBody>
-      </p:sp>
-      <p:sp>
-        <p:nvSpPr>
-          <p:cNvPr id="5" name="Footer Placeholder 4"/>
-          <p:cNvSpPr>
-            <a:spLocks noGrp="1"/>
-          </p:cNvSpPr>
-          <p:nvPr>
-            <p:ph type="ftr" sz="quarter" idx="11"/>
-          </p:nvPr>
-        </p:nvSpPr>
-        <p:spPr/>
-        <p:txBody>
-          <a:bodyPr/>
-          <a:lstStyle/>
-          <a:p>
-            <a:pPr>
-              <a:defRPr/>
-            </a:pPr>
-            <a:r>
-              <a:rPr lang="en-US" altLang="en-US" smtClean="0"/>
-              <a:t>Operating Systems: Lecture 6</a:t>
-            </a:r>
-            <a:endParaRPr lang="en-US" altLang="en-US"/>
-          </a:p>
-        </p:txBody>
-      </p:sp>
-      <p:sp>
-        <p:nvSpPr>
-          <p:cNvPr id="6" name="Slide Number Placeholder 5"/>
-          <p:cNvSpPr>
-            <a:spLocks noGrp="1"/>
-          </p:cNvSpPr>
-          <p:nvPr>
-            <p:ph type="sldNum" sz="quarter" idx="12"/>
-          </p:nvPr>
-        </p:nvSpPr>
-        <p:spPr/>
-        <p:txBody>
-          <a:bodyPr/>
-          <a:lstStyle/>
-          <a:p>
-            <a:fld id="{2907D84A-D9E1-964C-B1EF-5C5C24A64F29}" type="slidenum">
-              <a:rPr lang="en-US" smtClean="0"/>
-              <a:pPr/>
-              <a:t>33</a:t>
-            </a:fld>
-            <a:endParaRPr lang="en-US"/>
-          </a:p>
-        </p:txBody>
-      </p:sp>
-      <p:pic>
-        <p:nvPicPr>
-          <p:cNvPr id="7" name="Picture 6"/>
-          <p:cNvPicPr>
-            <a:picLocks noChangeAspect="1"/>
-          </p:cNvPicPr>
-          <p:nvPr/>
-        </p:nvPicPr>
-        <p:blipFill>
-          <a:blip r:embed="rId2"/>
-          <a:stretch>
-            <a:fillRect/>
-          </a:stretch>
-        </p:blipFill>
-        <p:spPr>
-          <a:xfrm>
-            <a:off x="25400" y="977900"/>
-            <a:ext cx="9093200" cy="5422900"/>
-          </a:xfrm>
-          <a:prstGeom prst="rect">
-            <a:avLst/>
-          </a:prstGeom>
-        </p:spPr>
-      </p:pic>
-    </p:spTree>
-    <p:extLst>
-      <p:ext uri="{BB962C8B-B14F-4D97-AF65-F5344CB8AC3E}">
-        <p14:creationId xmlns:p14="http://schemas.microsoft.com/office/powerpoint/2010/main" val="1402746822"/>
-      </p:ext>
-    </p:extLst>
-  </p:cSld>
-  <p:clrMapOvr>
-    <a:masterClrMapping/>
-  </p:clrMapOvr>
-</p:sld>
-</file>
-
-<file path=ppt/slides/slide34.xml><?xml version="1.0" encoding="utf-8"?>
-<p:sld xmlns:a="http://schemas.openxmlformats.org/drawingml/2006/main" xmlns:r="http://schemas.openxmlformats.org/officeDocument/2006/relationships" xmlns:p="http://schemas.openxmlformats.org/presentationml/2006/main">
-  <p:cSld>
-    <p:spTree>
-      <p:nvGrpSpPr>
-        <p:cNvPr id="1" name=""/>
-        <p:cNvGrpSpPr/>
-        <p:nvPr/>
-      </p:nvGrpSpPr>
-      <p:grpSpPr>
-        <a:xfrm>
-          <a:off x="0" y="0"/>
-          <a:ext cx="0" cy="0"/>
-          <a:chOff x="0" y="0"/>
-          <a:chExt cx="0" cy="0"/>
-        </a:xfrm>
-      </p:grpSpPr>
-      <p:sp>
-        <p:nvSpPr>
-          <p:cNvPr id="2" name="Title 1"/>
-          <p:cNvSpPr>
-            <a:spLocks noGrp="1"/>
-          </p:cNvSpPr>
-          <p:nvPr>
-            <p:ph type="title"/>
-          </p:nvPr>
-        </p:nvSpPr>
-        <p:spPr/>
-        <p:txBody>
-          <a:bodyPr/>
-          <a:lstStyle/>
-          <a:p>
-            <a:r>
-              <a:rPr lang="en-US" dirty="0" smtClean="0"/>
-              <a:t>Monitors</a:t>
-            </a:r>
-            <a:endParaRPr lang="en-US" dirty="0"/>
-          </a:p>
-        </p:txBody>
-      </p:sp>
-      <p:sp>
-        <p:nvSpPr>
-          <p:cNvPr id="3" name="Content Placeholder 2"/>
-          <p:cNvSpPr>
-            <a:spLocks noGrp="1"/>
-          </p:cNvSpPr>
-          <p:nvPr>
-            <p:ph idx="1"/>
-          </p:nvPr>
-        </p:nvSpPr>
-        <p:spPr/>
-        <p:txBody>
-          <a:bodyPr/>
-          <a:lstStyle/>
-          <a:p>
-            <a:r>
-              <a:rPr lang="en-US" dirty="0" smtClean="0"/>
-              <a:t>Combine two types of synchronization</a:t>
-            </a:r>
-          </a:p>
-          <a:p>
-            <a:pPr lvl="1"/>
-            <a:r>
-              <a:rPr lang="en-US" dirty="0" smtClean="0"/>
-              <a:t>Lock for mutual exclusion</a:t>
-            </a:r>
-          </a:p>
-          <a:p>
-            <a:pPr lvl="1"/>
-            <a:r>
-              <a:rPr lang="en-US" dirty="0" smtClean="0"/>
-              <a:t>Condition variables for ordering constraints</a:t>
-            </a:r>
-          </a:p>
-          <a:p>
-            <a:endParaRPr lang="en-US" dirty="0"/>
-          </a:p>
-          <a:p>
-            <a:r>
-              <a:rPr lang="en-US" dirty="0" smtClean="0"/>
-              <a:t>Monitor = 1 lock + CVs associated with lock</a:t>
-            </a:r>
-            <a:endParaRPr lang="en-US" dirty="0"/>
-          </a:p>
-        </p:txBody>
-      </p:sp>
-      <p:sp>
-        <p:nvSpPr>
-          <p:cNvPr id="4" name="Date Placeholder 3"/>
-          <p:cNvSpPr>
-            <a:spLocks noGrp="1"/>
-          </p:cNvSpPr>
-          <p:nvPr>
-            <p:ph type="dt" sz="half" idx="10"/>
-          </p:nvPr>
-        </p:nvSpPr>
-        <p:spPr/>
-        <p:txBody>
-          <a:bodyPr/>
-          <a:lstStyle/>
-          <a:p>
-            <a:fld id="{484FC7DC-99C5-B841-BC67-A822311DD890}" type="datetime1">
-              <a:rPr lang="en-US" smtClean="0"/>
-              <a:t>2/11/18</a:t>
-            </a:fld>
-            <a:endParaRPr lang="en-US"/>
-          </a:p>
-        </p:txBody>
-      </p:sp>
-      <p:sp>
-        <p:nvSpPr>
-          <p:cNvPr id="5" name="Footer Placeholder 4"/>
-          <p:cNvSpPr>
-            <a:spLocks noGrp="1"/>
-          </p:cNvSpPr>
-          <p:nvPr>
-            <p:ph type="ftr" sz="quarter" idx="11"/>
-          </p:nvPr>
-        </p:nvSpPr>
-        <p:spPr/>
-        <p:txBody>
-          <a:bodyPr/>
-          <a:lstStyle/>
-          <a:p>
-            <a:pPr>
-              <a:defRPr/>
-            </a:pPr>
-            <a:r>
-              <a:rPr lang="en-US" altLang="en-US" smtClean="0"/>
-              <a:t>Operating Systems: Lecture 6</a:t>
-            </a:r>
-            <a:endParaRPr lang="en-US" altLang="en-US"/>
-          </a:p>
-        </p:txBody>
-      </p:sp>
-      <p:sp>
-        <p:nvSpPr>
-          <p:cNvPr id="6" name="Slide Number Placeholder 5"/>
-          <p:cNvSpPr>
-            <a:spLocks noGrp="1"/>
-          </p:cNvSpPr>
-          <p:nvPr>
-            <p:ph type="sldNum" sz="quarter" idx="12"/>
-          </p:nvPr>
-        </p:nvSpPr>
-        <p:spPr/>
-        <p:txBody>
-          <a:bodyPr/>
-          <a:lstStyle/>
-          <a:p>
-            <a:fld id="{2907D84A-D9E1-964C-B1EF-5C5C24A64F29}" type="slidenum">
-              <a:rPr lang="en-US" smtClean="0"/>
-              <a:pPr/>
-              <a:t>34</a:t>
-            </a:fld>
-            <a:endParaRPr lang="en-US"/>
-          </a:p>
-        </p:txBody>
-      </p:sp>
-    </p:spTree>
-    <p:extLst>
-      <p:ext uri="{BB962C8B-B14F-4D97-AF65-F5344CB8AC3E}">
-        <p14:creationId xmlns:p14="http://schemas.microsoft.com/office/powerpoint/2010/main" val="1546748084"/>
-      </p:ext>
-    </p:extLst>
-  </p:cSld>
-  <p:clrMapOvr>
-    <a:masterClrMapping/>
-  </p:clrMapOvr>
-</p:sld>
-</file>
-
-<file path=ppt/slides/slide35.xml><?xml version="1.0" encoding="utf-8"?>
 <p:sld xmlns:a="http://schemas.openxmlformats.org/drawingml/2006/main" xmlns:r="http://schemas.openxmlformats.org/officeDocument/2006/relationships" xmlns:p="http://schemas.openxmlformats.org/presentationml/2006/main">
   <p:cSld>
     <p:spTree>
@@ -13863,7 +12032,7 @@
           <a:p>
             <a:fld id="{262C11B4-28F0-0F44-83A5-9ACEA1688F80}" type="datetime1">
               <a:rPr lang="en-US" smtClean="0"/>
-              <a:t>2/11/18</a:t>
+              <a:t>2/14/18</a:t>
             </a:fld>
             <a:endParaRPr lang="en-US"/>
           </a:p>
@@ -14025,7 +12194,7 @@
             <a:fld id="{654581FB-8797-014C-8491-7A0C59EBED1B}" type="slidenum">
               <a:rPr lang="en-US" smtClean="0"/>
               <a:pPr/>
-              <a:t>35</a:t>
+              <a:t>27</a:t>
             </a:fld>
             <a:endParaRPr lang="en-US"/>
           </a:p>
@@ -14046,7 +12215,7 @@
 </p:sld>
 </file>
 
-<file path=ppt/slides/slide36.xml><?xml version="1.0" encoding="utf-8"?>
+<file path=ppt/slides/slide28.xml><?xml version="1.0" encoding="utf-8"?>
 <p:sld xmlns:a="http://schemas.openxmlformats.org/drawingml/2006/main" xmlns:r="http://schemas.openxmlformats.org/officeDocument/2006/relationships" xmlns:p="http://schemas.openxmlformats.org/presentationml/2006/main">
   <p:cSld>
     <p:spTree>
@@ -14145,11 +12314,7 @@
             </a:r>
             <a:r>
               <a:rPr lang="en-US" dirty="0" smtClean="0"/>
-              <a:t>, EECS 482 lecture notes, University of Michigan, Fall </a:t>
-            </a:r>
-            <a:r>
-              <a:rPr lang="en-US" dirty="0" smtClean="0"/>
-              <a:t>2016</a:t>
+              <a:t>, EECS 482 lecture notes, University of Michigan, Fall 2016</a:t>
             </a:r>
           </a:p>
           <a:p>
@@ -14204,7 +12369,7 @@
           <a:p>
             <a:fld id="{2BD1A3CB-CAD6-FB4B-9A5A-696854FE92B6}" type="datetime1">
               <a:rPr lang="en-US" smtClean="0"/>
-              <a:t>2/11/18</a:t>
+              <a:t>2/14/18</a:t>
             </a:fld>
             <a:endParaRPr lang="en-US"/>
           </a:p>
@@ -14254,7 +12419,7 @@
             <a:fld id="{2907D84A-D9E1-964C-B1EF-5C5C24A64F29}" type="slidenum">
               <a:rPr lang="en-US" smtClean="0"/>
               <a:pPr/>
-              <a:t>36</a:t>
+              <a:t>28</a:t>
             </a:fld>
             <a:endParaRPr lang="en-US"/>
           </a:p>
@@ -14270,6 +12435,224 @@
   <p:clrMapOvr>
     <a:masterClrMapping/>
   </p:clrMapOvr>
+</p:sld>
+</file>
+
+<file path=ppt/slides/slide3.xml><?xml version="1.0" encoding="utf-8"?>
+<p:sld xmlns:a="http://schemas.openxmlformats.org/drawingml/2006/main" xmlns:r="http://schemas.openxmlformats.org/officeDocument/2006/relationships" xmlns:p="http://schemas.openxmlformats.org/presentationml/2006/main">
+  <p:cSld>
+    <p:spTree>
+      <p:nvGrpSpPr>
+        <p:cNvPr id="1" name=""/>
+        <p:cNvGrpSpPr/>
+        <p:nvPr/>
+      </p:nvGrpSpPr>
+      <p:grpSpPr>
+        <a:xfrm>
+          <a:off x="0" y="0"/>
+          <a:ext cx="0" cy="0"/>
+          <a:chOff x="0" y="0"/>
+          <a:chExt cx="0" cy="0"/>
+        </a:xfrm>
+      </p:grpSpPr>
+      <p:sp>
+        <p:nvSpPr>
+          <p:cNvPr id="2" name="Title 1"/>
+          <p:cNvSpPr>
+            <a:spLocks noGrp="1"/>
+          </p:cNvSpPr>
+          <p:nvPr>
+            <p:ph type="title"/>
+          </p:nvPr>
+        </p:nvSpPr>
+        <p:spPr/>
+        <p:txBody>
+          <a:bodyPr/>
+          <a:lstStyle/>
+          <a:p>
+            <a:r>
+              <a:rPr lang="en-US" dirty="0" smtClean="0"/>
+              <a:t>Review: Threads</a:t>
+            </a:r>
+            <a:endParaRPr lang="en-US" dirty="0"/>
+          </a:p>
+        </p:txBody>
+      </p:sp>
+      <p:sp>
+        <p:nvSpPr>
+          <p:cNvPr id="3" name="Content Placeholder 2"/>
+          <p:cNvSpPr>
+            <a:spLocks noGrp="1"/>
+          </p:cNvSpPr>
+          <p:nvPr>
+            <p:ph idx="1"/>
+          </p:nvPr>
+        </p:nvSpPr>
+        <p:spPr/>
+        <p:txBody>
+          <a:bodyPr>
+            <a:normAutofit fontScale="92500" lnSpcReduction="10000"/>
+          </a:bodyPr>
+          <a:lstStyle/>
+          <a:p>
+            <a:r>
+              <a:rPr lang="en-US" dirty="0" smtClean="0"/>
+              <a:t>Thread: active sequence of instructions</a:t>
+            </a:r>
+          </a:p>
+          <a:p>
+            <a:pPr lvl="1"/>
+            <a:r>
+              <a:rPr lang="en-US" dirty="0" smtClean="0"/>
+              <a:t>Basic unit of CPU utilization</a:t>
+            </a:r>
+          </a:p>
+          <a:p>
+            <a:pPr lvl="1"/>
+            <a:r>
+              <a:rPr lang="en-US" dirty="0" smtClean="0"/>
+              <a:t>Thread creation is lightweight</a:t>
+            </a:r>
+          </a:p>
+          <a:p>
+            <a:pPr lvl="1"/>
+            <a:r>
+              <a:rPr lang="en-US" dirty="0" smtClean="0"/>
+              <a:t>Multiple threads in same process can share address space</a:t>
+            </a:r>
+          </a:p>
+          <a:p>
+            <a:pPr lvl="2"/>
+            <a:r>
+              <a:rPr lang="en-US" dirty="0" smtClean="0"/>
+              <a:t>Each thread needs own PC, register copies, stack + SP</a:t>
+            </a:r>
+          </a:p>
+          <a:p>
+            <a:r>
+              <a:rPr lang="en-US" dirty="0" smtClean="0"/>
+              <a:t>Threads provide concurrency within application</a:t>
+            </a:r>
+          </a:p>
+          <a:p>
+            <a:pPr lvl="1"/>
+            <a:r>
+              <a:rPr lang="en-US" dirty="0" smtClean="0"/>
+              <a:t>HW support necessary for parallelism</a:t>
+            </a:r>
+          </a:p>
+          <a:p>
+            <a:r>
+              <a:rPr lang="en-US" dirty="0" smtClean="0"/>
+              <a:t>Major issue: non-deterministic ordering</a:t>
+            </a:r>
+          </a:p>
+          <a:p>
+            <a:pPr lvl="1"/>
+            <a:r>
+              <a:rPr lang="en-US" dirty="0" smtClean="0"/>
+              <a:t>Solutions require atomic operations</a:t>
+            </a:r>
+          </a:p>
+          <a:p>
+            <a:pPr lvl="1"/>
+            <a:r>
+              <a:rPr lang="en-US" dirty="0" smtClean="0"/>
+              <a:t>Avoid race condition: solution depends on timing/ordering of earlier events</a:t>
+            </a:r>
+          </a:p>
+        </p:txBody>
+      </p:sp>
+      <p:sp>
+        <p:nvSpPr>
+          <p:cNvPr id="4" name="Date Placeholder 3"/>
+          <p:cNvSpPr>
+            <a:spLocks noGrp="1"/>
+          </p:cNvSpPr>
+          <p:nvPr>
+            <p:ph type="dt" sz="half" idx="10"/>
+          </p:nvPr>
+        </p:nvSpPr>
+        <p:spPr/>
+        <p:txBody>
+          <a:bodyPr/>
+          <a:lstStyle/>
+          <a:p>
+            <a:fld id="{A05BE6B7-B0DA-944B-B7A2-BBD8AAB68701}" type="datetime1">
+              <a:rPr lang="en-US" smtClean="0"/>
+              <a:t>2/14/18</a:t>
+            </a:fld>
+            <a:endParaRPr lang="en-US"/>
+          </a:p>
+        </p:txBody>
+      </p:sp>
+      <p:sp>
+        <p:nvSpPr>
+          <p:cNvPr id="5" name="Footer Placeholder 4"/>
+          <p:cNvSpPr>
+            <a:spLocks noGrp="1"/>
+          </p:cNvSpPr>
+          <p:nvPr>
+            <p:ph type="ftr" sz="quarter" idx="11"/>
+          </p:nvPr>
+        </p:nvSpPr>
+        <p:spPr/>
+        <p:txBody>
+          <a:bodyPr/>
+          <a:lstStyle/>
+          <a:p>
+            <a:pPr>
+              <a:defRPr/>
+            </a:pPr>
+            <a:r>
+              <a:rPr lang="en-US" altLang="en-US" smtClean="0"/>
+              <a:t>Operating Systems: Lecture 6</a:t>
+            </a:r>
+            <a:endParaRPr lang="en-US" altLang="en-US"/>
+          </a:p>
+        </p:txBody>
+      </p:sp>
+      <p:sp>
+        <p:nvSpPr>
+          <p:cNvPr id="6" name="Slide Number Placeholder 5"/>
+          <p:cNvSpPr>
+            <a:spLocks noGrp="1"/>
+          </p:cNvSpPr>
+          <p:nvPr>
+            <p:ph type="sldNum" sz="quarter" idx="12"/>
+          </p:nvPr>
+        </p:nvSpPr>
+        <p:spPr/>
+        <p:txBody>
+          <a:bodyPr/>
+          <a:lstStyle/>
+          <a:p>
+            <a:fld id="{2907D84A-D9E1-964C-B1EF-5C5C24A64F29}" type="slidenum">
+              <a:rPr lang="en-US" smtClean="0"/>
+              <a:pPr/>
+              <a:t>3</a:t>
+            </a:fld>
+            <a:endParaRPr lang="en-US"/>
+          </a:p>
+        </p:txBody>
+      </p:sp>
+    </p:spTree>
+    <p:extLst>
+      <p:ext uri="{BB962C8B-B14F-4D97-AF65-F5344CB8AC3E}">
+        <p14:creationId xmlns:p14="http://schemas.microsoft.com/office/powerpoint/2010/main" val="4075787339"/>
+      </p:ext>
+    </p:extLst>
+  </p:cSld>
+  <p:clrMapOvr>
+    <a:masterClrMapping/>
+  </p:clrMapOvr>
+  <p:timing>
+    <p:tnLst>
+      <p:par>
+        <p:cTn xmlns:p14="http://schemas.microsoft.com/office/powerpoint/2010/main" id="1" dur="indefinite" restart="never" nodeType="tmRoot"/>
+      </p:par>
+    </p:tnLst>
+  </p:timing>
 </p:sld>
 </file>
 
@@ -14444,7 +12827,7 @@
           <a:p>
             <a:fld id="{484FC7DC-99C5-B841-BC67-A822311DD890}" type="datetime1">
               <a:rPr lang="en-US" smtClean="0"/>
-              <a:t>2/11/18</a:t>
+              <a:t>2/14/18</a:t>
             </a:fld>
             <a:endParaRPr lang="en-US"/>
           </a:p>
@@ -14660,7 +13043,7 @@
           <a:p>
             <a:fld id="{484FC7DC-99C5-B841-BC67-A822311DD890}" type="datetime1">
               <a:rPr lang="en-US" smtClean="0"/>
-              <a:t>2/11/18</a:t>
+              <a:t>2/14/18</a:t>
             </a:fld>
             <a:endParaRPr lang="en-US"/>
           </a:p>
@@ -14947,7 +13330,7 @@
           <a:p>
             <a:fld id="{D225E3A2-FA26-624B-863C-B9CAB9C6F07D}" type="datetime1">
               <a:rPr lang="en-US" smtClean="0"/>
-              <a:t>2/11/18</a:t>
+              <a:t>2/14/18</a:t>
             </a:fld>
             <a:endParaRPr lang="en-US"/>
           </a:p>
@@ -15170,7 +13553,7 @@
           <a:p>
             <a:fld id="{BB3B0221-ECAD-5A41-B43C-25AF69396A41}" type="datetime1">
               <a:rPr lang="en-US" smtClean="0"/>
-              <a:t>2/11/18</a:t>
+              <a:t>2/14/18</a:t>
             </a:fld>
             <a:endParaRPr lang="en-US"/>
           </a:p>
@@ -15437,7 +13820,7 @@
           <a:p>
             <a:fld id="{484FC7DC-99C5-B841-BC67-A822311DD890}" type="datetime1">
               <a:rPr lang="en-US" smtClean="0"/>
-              <a:t>2/11/18</a:t>
+              <a:t>2/14/18</a:t>
             </a:fld>
             <a:endParaRPr lang="en-US"/>
           </a:p>
@@ -15611,7 +13994,7 @@
           <a:p>
             <a:fld id="{484FC7DC-99C5-B841-BC67-A822311DD890}" type="datetime1">
               <a:rPr lang="en-US" smtClean="0"/>
-              <a:t>2/11/18</a:t>
+              <a:t>2/14/18</a:t>
             </a:fld>
             <a:endParaRPr lang="en-US"/>
           </a:p>
